--- a/PHY2026/Experiment_2/Final_Report/electron_picture.pptx
+++ b/PHY2026/Experiment_2/Final_Report/electron_picture.pptx
@@ -238,7 +238,7 @@
           <a:p>
             <a:fld id="{34ED5717-A0E9-404C-9B0B-E1EEE2E273EA}" type="datetimeFigureOut">
               <a:rPr lang="en-GB" smtClean="0"/>
-              <a:t>22/11/2018</a:t>
+              <a:t>29/11/18</a:t>
             </a:fld>
             <a:endParaRPr lang="en-GB"/>
           </a:p>
@@ -408,7 +408,7 @@
           <a:p>
             <a:fld id="{34ED5717-A0E9-404C-9B0B-E1EEE2E273EA}" type="datetimeFigureOut">
               <a:rPr lang="en-GB" smtClean="0"/>
-              <a:t>22/11/2018</a:t>
+              <a:t>29/11/18</a:t>
             </a:fld>
             <a:endParaRPr lang="en-GB"/>
           </a:p>
@@ -588,7 +588,7 @@
           <a:p>
             <a:fld id="{34ED5717-A0E9-404C-9B0B-E1EEE2E273EA}" type="datetimeFigureOut">
               <a:rPr lang="en-GB" smtClean="0"/>
-              <a:t>22/11/2018</a:t>
+              <a:t>29/11/18</a:t>
             </a:fld>
             <a:endParaRPr lang="en-GB"/>
           </a:p>
@@ -758,7 +758,7 @@
           <a:p>
             <a:fld id="{34ED5717-A0E9-404C-9B0B-E1EEE2E273EA}" type="datetimeFigureOut">
               <a:rPr lang="en-GB" smtClean="0"/>
-              <a:t>22/11/2018</a:t>
+              <a:t>29/11/18</a:t>
             </a:fld>
             <a:endParaRPr lang="en-GB"/>
           </a:p>
@@ -1004,7 +1004,7 @@
           <a:p>
             <a:fld id="{34ED5717-A0E9-404C-9B0B-E1EEE2E273EA}" type="datetimeFigureOut">
               <a:rPr lang="en-GB" smtClean="0"/>
-              <a:t>22/11/2018</a:t>
+              <a:t>29/11/18</a:t>
             </a:fld>
             <a:endParaRPr lang="en-GB"/>
           </a:p>
@@ -1236,7 +1236,7 @@
           <a:p>
             <a:fld id="{34ED5717-A0E9-404C-9B0B-E1EEE2E273EA}" type="datetimeFigureOut">
               <a:rPr lang="en-GB" smtClean="0"/>
-              <a:t>22/11/2018</a:t>
+              <a:t>29/11/18</a:t>
             </a:fld>
             <a:endParaRPr lang="en-GB"/>
           </a:p>
@@ -1603,7 +1603,7 @@
           <a:p>
             <a:fld id="{34ED5717-A0E9-404C-9B0B-E1EEE2E273EA}" type="datetimeFigureOut">
               <a:rPr lang="en-GB" smtClean="0"/>
-              <a:t>22/11/2018</a:t>
+              <a:t>29/11/18</a:t>
             </a:fld>
             <a:endParaRPr lang="en-GB"/>
           </a:p>
@@ -1721,7 +1721,7 @@
           <a:p>
             <a:fld id="{34ED5717-A0E9-404C-9B0B-E1EEE2E273EA}" type="datetimeFigureOut">
               <a:rPr lang="en-GB" smtClean="0"/>
-              <a:t>22/11/2018</a:t>
+              <a:t>29/11/18</a:t>
             </a:fld>
             <a:endParaRPr lang="en-GB"/>
           </a:p>
@@ -1816,7 +1816,7 @@
           <a:p>
             <a:fld id="{34ED5717-A0E9-404C-9B0B-E1EEE2E273EA}" type="datetimeFigureOut">
               <a:rPr lang="en-GB" smtClean="0"/>
-              <a:t>22/11/2018</a:t>
+              <a:t>29/11/18</a:t>
             </a:fld>
             <a:endParaRPr lang="en-GB"/>
           </a:p>
@@ -2093,7 +2093,7 @@
           <a:p>
             <a:fld id="{34ED5717-A0E9-404C-9B0B-E1EEE2E273EA}" type="datetimeFigureOut">
               <a:rPr lang="en-GB" smtClean="0"/>
-              <a:t>22/11/2018</a:t>
+              <a:t>29/11/18</a:t>
             </a:fld>
             <a:endParaRPr lang="en-GB"/>
           </a:p>
@@ -2346,7 +2346,7 @@
           <a:p>
             <a:fld id="{34ED5717-A0E9-404C-9B0B-E1EEE2E273EA}" type="datetimeFigureOut">
               <a:rPr lang="en-GB" smtClean="0"/>
-              <a:t>22/11/2018</a:t>
+              <a:t>29/11/18</a:t>
             </a:fld>
             <a:endParaRPr lang="en-GB"/>
           </a:p>
@@ -2559,7 +2559,7 @@
           <a:p>
             <a:fld id="{34ED5717-A0E9-404C-9B0B-E1EEE2E273EA}" type="datetimeFigureOut">
               <a:rPr lang="en-GB" smtClean="0"/>
-              <a:t>22/11/2018</a:t>
+              <a:t>29/11/18</a:t>
             </a:fld>
             <a:endParaRPr lang="en-GB"/>
           </a:p>
@@ -3002,8 +3002,8 @@
         </p:nvSpPr>
         <p:spPr>
           <a:xfrm>
-            <a:off x="700213" y="856736"/>
-            <a:ext cx="1309816" cy="523220"/>
+            <a:off x="767562" y="870693"/>
+            <a:ext cx="1451386" cy="523220"/>
           </a:xfrm>
           <a:prstGeom prst="rect">
             <a:avLst/>
@@ -3022,7 +3022,7 @@
                 <a:latin typeface="Times New Roman" panose="02020603050405020304" pitchFamily="18" charset="0"/>
                 <a:cs typeface="Times New Roman" panose="02020603050405020304" pitchFamily="18" charset="0"/>
               </a:rPr>
-              <a:t>DPPH Sample Inside Coil</a:t>
+              <a:t>Radio Frequency Oscillator</a:t>
             </a:r>
             <a:endParaRPr lang="en-GB" sz="1400" dirty="0">
               <a:latin typeface="Times New Roman" panose="02020603050405020304" pitchFamily="18" charset="0"/>
@@ -3039,8 +3039,8 @@
         </p:nvCxnSpPr>
         <p:spPr>
           <a:xfrm>
-            <a:off x="1830310" y="1142430"/>
-            <a:ext cx="2692261" cy="2482219"/>
+            <a:off x="1981702" y="2372648"/>
+            <a:ext cx="2540869" cy="1252001"/>
           </a:xfrm>
           <a:prstGeom prst="straightConnector1">
             <a:avLst/>
@@ -3277,7 +3277,7 @@
                 <a:latin typeface="Times New Roman" panose="02020603050405020304" pitchFamily="18" charset="0"/>
                 <a:cs typeface="Times New Roman" panose="02020603050405020304" pitchFamily="18" charset="0"/>
               </a:rPr>
-              <a:t>Radio Frequency Oscillator</a:t>
+              <a:t>Supply Unit For ESR</a:t>
             </a:r>
             <a:endParaRPr lang="en-GB" sz="1400" dirty="0">
               <a:latin typeface="Times New Roman" panose="02020603050405020304" pitchFamily="18" charset="0"/>
@@ -3296,6 +3296,79 @@
           <a:xfrm flipH="1">
             <a:off x="8765059" y="4502563"/>
             <a:ext cx="1194484" cy="102388"/>
+          </a:xfrm>
+          <a:prstGeom prst="straightConnector1">
+            <a:avLst/>
+          </a:prstGeom>
+          <a:ln w="22225">
+            <a:solidFill>
+              <a:srgbClr val="FF0000"/>
+            </a:solidFill>
+            <a:tailEnd type="triangle"/>
+          </a:ln>
+        </p:spPr>
+        <p:style>
+          <a:lnRef idx="1">
+            <a:schemeClr val="accent1"/>
+          </a:lnRef>
+          <a:fillRef idx="0">
+            <a:schemeClr val="accent1"/>
+          </a:fillRef>
+          <a:effectRef idx="0">
+            <a:schemeClr val="accent1"/>
+          </a:effectRef>
+          <a:fontRef idx="minor">
+            <a:schemeClr val="tx1"/>
+          </a:fontRef>
+        </p:style>
+      </p:cxnSp>
+      <p:sp>
+        <p:nvSpPr>
+          <p:cNvPr id="12" name="TextBox 11"/>
+          <p:cNvSpPr txBox="1"/>
+          <p:nvPr/>
+        </p:nvSpPr>
+        <p:spPr>
+          <a:xfrm>
+            <a:off x="838657" y="2027979"/>
+            <a:ext cx="1309816" cy="523220"/>
+          </a:xfrm>
+          <a:prstGeom prst="rect">
+            <a:avLst/>
+          </a:prstGeom>
+          <a:noFill/>
+        </p:spPr>
+        <p:txBody>
+          <a:bodyPr wrap="square" rtlCol="0">
+            <a:spAutoFit/>
+          </a:bodyPr>
+          <a:lstStyle/>
+          <a:p>
+            <a:pPr algn="ctr"/>
+            <a:r>
+              <a:rPr lang="en-GB" sz="1400" dirty="0" smtClean="0">
+                <a:latin typeface="Times New Roman" panose="02020603050405020304" pitchFamily="18" charset="0"/>
+                <a:cs typeface="Times New Roman" panose="02020603050405020304" pitchFamily="18" charset="0"/>
+              </a:rPr>
+              <a:t>DPPH Sample Inside Coil</a:t>
+            </a:r>
+            <a:endParaRPr lang="en-GB" sz="1400" dirty="0">
+              <a:latin typeface="Times New Roman" panose="02020603050405020304" pitchFamily="18" charset="0"/>
+              <a:cs typeface="Times New Roman" panose="02020603050405020304" pitchFamily="18" charset="0"/>
+            </a:endParaRPr>
+          </a:p>
+        </p:txBody>
+      </p:sp>
+      <p:cxnSp>
+        <p:nvCxnSpPr>
+          <p:cNvPr id="16" name="Straight Arrow Connector 15"/>
+          <p:cNvCxnSpPr/>
+          <p:nvPr/>
+        </p:nvCxnSpPr>
+        <p:spPr>
+          <a:xfrm>
+            <a:off x="1938723" y="1199156"/>
+            <a:ext cx="2527083" cy="2010897"/>
           </a:xfrm>
           <a:prstGeom prst="straightConnector1">
             <a:avLst/>
@@ -3378,7 +3451,7 @@
     </a:clrScheme>
     <a:fontScheme name="Office">
       <a:majorFont>
-        <a:latin typeface="Calibri Light" panose="020F0302020204030204"/>
+        <a:latin typeface="Calibri Light"/>
         <a:ea typeface=""/>
         <a:cs typeface=""/>
         <a:font script="Jpan" typeface="ＭＳ Ｐゴシック"/>
@@ -3413,7 +3486,7 @@
         <a:font script="Geor" typeface="Sylfaen"/>
       </a:majorFont>
       <a:minorFont>
-        <a:latin typeface="Calibri" panose="020F0502020204030204"/>
+        <a:latin typeface="Calibri"/>
         <a:ea typeface=""/>
         <a:cs typeface=""/>
         <a:font script="Jpan" typeface="ＭＳ Ｐゴシック"/>
@@ -3590,7 +3663,7 @@
   <a:extraClrSchemeLst/>
   <a:extLst>
     <a:ext uri="{05A4C25C-085E-4340-85A3-A5531E510DB2}">
-      <thm15:themeFamily xmlns:thm15="http://schemas.microsoft.com/office/thememl/2012/main" name="Office Theme" id="{62F939B6-93AF-4DB8-9C6B-D6C7DFDC589F}" vid="{4A3C46E8-61CC-4603-A589-7422A47A8E4A}"/>
+      <thm15:themeFamily xmlns:thm15="http://schemas.microsoft.com/office/thememl/2012/main" xmlns="" name="Office Theme" id="{62F939B6-93AF-4DB8-9C6B-D6C7DFDC589F}" vid="{4A3C46E8-61CC-4603-A589-7422A47A8E4A}"/>
     </a:ext>
   </a:extLst>
 </a:theme>

--- a/PHY2026/Experiment_2/Final_Report/electron_picture.pptx
+++ b/PHY2026/Experiment_2/Final_Report/electron_picture.pptx
@@ -104,6 +104,22 @@
       </a:defRPr>
     </a:lvl9pPr>
   </p:defaultTextStyle>
+  <p:extLst>
+    <p:ext uri="{EFAFB233-063F-42B5-8137-9DF3F51BA10A}">
+      <p15:sldGuideLst xmlns:p15="http://schemas.microsoft.com/office/powerpoint/2012/main">
+        <p15:guide id="1" orient="horz" pos="2160">
+          <p15:clr>
+            <a:srgbClr val="A4A3A4"/>
+          </p15:clr>
+        </p15:guide>
+        <p15:guide id="2" pos="3840">
+          <p15:clr>
+            <a:srgbClr val="A4A3A4"/>
+          </p15:clr>
+        </p15:guide>
+      </p15:sldGuideLst>
+    </p:ext>
+  </p:extLst>
 </p:presentation>
 </file>
 
@@ -238,7 +254,7 @@
           <a:p>
             <a:fld id="{34ED5717-A0E9-404C-9B0B-E1EEE2E273EA}" type="datetimeFigureOut">
               <a:rPr lang="en-GB" smtClean="0"/>
-              <a:t>29/11/18</a:t>
+              <a:t>01/12/2018</a:t>
             </a:fld>
             <a:endParaRPr lang="en-GB"/>
           </a:p>
@@ -408,7 +424,7 @@
           <a:p>
             <a:fld id="{34ED5717-A0E9-404C-9B0B-E1EEE2E273EA}" type="datetimeFigureOut">
               <a:rPr lang="en-GB" smtClean="0"/>
-              <a:t>29/11/18</a:t>
+              <a:t>01/12/2018</a:t>
             </a:fld>
             <a:endParaRPr lang="en-GB"/>
           </a:p>
@@ -588,7 +604,7 @@
           <a:p>
             <a:fld id="{34ED5717-A0E9-404C-9B0B-E1EEE2E273EA}" type="datetimeFigureOut">
               <a:rPr lang="en-GB" smtClean="0"/>
-              <a:t>29/11/18</a:t>
+              <a:t>01/12/2018</a:t>
             </a:fld>
             <a:endParaRPr lang="en-GB"/>
           </a:p>
@@ -758,7 +774,7 @@
           <a:p>
             <a:fld id="{34ED5717-A0E9-404C-9B0B-E1EEE2E273EA}" type="datetimeFigureOut">
               <a:rPr lang="en-GB" smtClean="0"/>
-              <a:t>29/11/18</a:t>
+              <a:t>01/12/2018</a:t>
             </a:fld>
             <a:endParaRPr lang="en-GB"/>
           </a:p>
@@ -1004,7 +1020,7 @@
           <a:p>
             <a:fld id="{34ED5717-A0E9-404C-9B0B-E1EEE2E273EA}" type="datetimeFigureOut">
               <a:rPr lang="en-GB" smtClean="0"/>
-              <a:t>29/11/18</a:t>
+              <a:t>01/12/2018</a:t>
             </a:fld>
             <a:endParaRPr lang="en-GB"/>
           </a:p>
@@ -1236,7 +1252,7 @@
           <a:p>
             <a:fld id="{34ED5717-A0E9-404C-9B0B-E1EEE2E273EA}" type="datetimeFigureOut">
               <a:rPr lang="en-GB" smtClean="0"/>
-              <a:t>29/11/18</a:t>
+              <a:t>01/12/2018</a:t>
             </a:fld>
             <a:endParaRPr lang="en-GB"/>
           </a:p>
@@ -1603,7 +1619,7 @@
           <a:p>
             <a:fld id="{34ED5717-A0E9-404C-9B0B-E1EEE2E273EA}" type="datetimeFigureOut">
               <a:rPr lang="en-GB" smtClean="0"/>
-              <a:t>29/11/18</a:t>
+              <a:t>01/12/2018</a:t>
             </a:fld>
             <a:endParaRPr lang="en-GB"/>
           </a:p>
@@ -1721,7 +1737,7 @@
           <a:p>
             <a:fld id="{34ED5717-A0E9-404C-9B0B-E1EEE2E273EA}" type="datetimeFigureOut">
               <a:rPr lang="en-GB" smtClean="0"/>
-              <a:t>29/11/18</a:t>
+              <a:t>01/12/2018</a:t>
             </a:fld>
             <a:endParaRPr lang="en-GB"/>
           </a:p>
@@ -1816,7 +1832,7 @@
           <a:p>
             <a:fld id="{34ED5717-A0E9-404C-9B0B-E1EEE2E273EA}" type="datetimeFigureOut">
               <a:rPr lang="en-GB" smtClean="0"/>
-              <a:t>29/11/18</a:t>
+              <a:t>01/12/2018</a:t>
             </a:fld>
             <a:endParaRPr lang="en-GB"/>
           </a:p>
@@ -2093,7 +2109,7 @@
           <a:p>
             <a:fld id="{34ED5717-A0E9-404C-9B0B-E1EEE2E273EA}" type="datetimeFigureOut">
               <a:rPr lang="en-GB" smtClean="0"/>
-              <a:t>29/11/18</a:t>
+              <a:t>01/12/2018</a:t>
             </a:fld>
             <a:endParaRPr lang="en-GB"/>
           </a:p>
@@ -2346,7 +2362,7 @@
           <a:p>
             <a:fld id="{34ED5717-A0E9-404C-9B0B-E1EEE2E273EA}" type="datetimeFigureOut">
               <a:rPr lang="en-GB" smtClean="0"/>
-              <a:t>29/11/18</a:t>
+              <a:t>01/12/2018</a:t>
             </a:fld>
             <a:endParaRPr lang="en-GB"/>
           </a:p>
@@ -2559,7 +2575,7 @@
           <a:p>
             <a:fld id="{34ED5717-A0E9-404C-9B0B-E1EEE2E273EA}" type="datetimeFigureOut">
               <a:rPr lang="en-GB" smtClean="0"/>
-              <a:t>29/11/18</a:t>
+              <a:t>01/12/2018</a:t>
             </a:fld>
             <a:endParaRPr lang="en-GB"/>
           </a:p>
@@ -3002,8 +3018,8 @@
         </p:nvSpPr>
         <p:spPr>
           <a:xfrm>
-            <a:off x="767562" y="870693"/>
-            <a:ext cx="1451386" cy="523220"/>
+            <a:off x="767562" y="854217"/>
+            <a:ext cx="1451386" cy="1015663"/>
           </a:xfrm>
           <a:prstGeom prst="rect">
             <a:avLst/>
@@ -3018,13 +3034,13 @@
           <a:p>
             <a:pPr algn="ctr"/>
             <a:r>
-              <a:rPr lang="en-GB" sz="1400" dirty="0" smtClean="0">
+              <a:rPr lang="en-GB" sz="2000" dirty="0" smtClean="0">
                 <a:latin typeface="Times New Roman" panose="02020603050405020304" pitchFamily="18" charset="0"/>
                 <a:cs typeface="Times New Roman" panose="02020603050405020304" pitchFamily="18" charset="0"/>
               </a:rPr>
               <a:t>Radio Frequency Oscillator</a:t>
             </a:r>
-            <a:endParaRPr lang="en-GB" sz="1400" dirty="0">
+            <a:endParaRPr lang="en-GB" sz="2000" dirty="0">
               <a:latin typeface="Times New Roman" panose="02020603050405020304" pitchFamily="18" charset="0"/>
               <a:cs typeface="Times New Roman" panose="02020603050405020304" pitchFamily="18" charset="0"/>
             </a:endParaRPr>
@@ -3039,8 +3055,8 @@
         </p:nvCxnSpPr>
         <p:spPr>
           <a:xfrm>
-            <a:off x="1981702" y="2372648"/>
-            <a:ext cx="2540869" cy="1252001"/>
+            <a:off x="1946961" y="2990335"/>
+            <a:ext cx="2527083" cy="659027"/>
           </a:xfrm>
           <a:prstGeom prst="straightConnector1">
             <a:avLst/>
@@ -3075,8 +3091,8 @@
         </p:nvSpPr>
         <p:spPr>
           <a:xfrm>
-            <a:off x="873211" y="3860916"/>
-            <a:ext cx="1309816" cy="523220"/>
+            <a:off x="873211" y="4412852"/>
+            <a:ext cx="1309816" cy="707886"/>
           </a:xfrm>
           <a:prstGeom prst="rect">
             <a:avLst/>
@@ -3091,13 +3107,13 @@
           <a:p>
             <a:pPr algn="ctr"/>
             <a:r>
-              <a:rPr lang="en-GB" sz="1400" dirty="0" smtClean="0">
+              <a:rPr lang="en-GB" sz="2000" dirty="0" smtClean="0">
                 <a:latin typeface="Times New Roman" panose="02020603050405020304" pitchFamily="18" charset="0"/>
                 <a:cs typeface="Times New Roman" panose="02020603050405020304" pitchFamily="18" charset="0"/>
               </a:rPr>
               <a:t>Helmholtz Coils</a:t>
             </a:r>
-            <a:endParaRPr lang="en-GB" sz="1400" dirty="0">
+            <a:endParaRPr lang="en-GB" sz="2000" dirty="0">
               <a:latin typeface="Times New Roman" panose="02020603050405020304" pitchFamily="18" charset="0"/>
               <a:cs typeface="Times New Roman" panose="02020603050405020304" pitchFamily="18" charset="0"/>
             </a:endParaRPr>
@@ -3112,8 +3128,8 @@
         </p:nvCxnSpPr>
         <p:spPr>
           <a:xfrm flipV="1">
-            <a:off x="1797357" y="3756454"/>
-            <a:ext cx="2255656" cy="431975"/>
+            <a:off x="2018268" y="3756455"/>
+            <a:ext cx="2034745" cy="746108"/>
           </a:xfrm>
           <a:prstGeom prst="straightConnector1">
             <a:avLst/>
@@ -3184,8 +3200,8 @@
         </p:nvSpPr>
         <p:spPr>
           <a:xfrm>
-            <a:off x="9613554" y="880820"/>
-            <a:ext cx="1309816" cy="307777"/>
+            <a:off x="9704171" y="880820"/>
+            <a:ext cx="1499287" cy="400110"/>
           </a:xfrm>
           <a:prstGeom prst="rect">
             <a:avLst/>
@@ -3200,13 +3216,13 @@
           <a:p>
             <a:pPr algn="ctr"/>
             <a:r>
-              <a:rPr lang="en-GB" sz="1400" dirty="0" smtClean="0">
+              <a:rPr lang="en-GB" sz="2000" dirty="0" smtClean="0">
                 <a:latin typeface="Times New Roman" panose="02020603050405020304" pitchFamily="18" charset="0"/>
                 <a:cs typeface="Times New Roman" panose="02020603050405020304" pitchFamily="18" charset="0"/>
               </a:rPr>
               <a:t>Oscilloscope</a:t>
             </a:r>
-            <a:endParaRPr lang="en-GB" sz="1400" dirty="0">
+            <a:endParaRPr lang="en-GB" sz="2000" dirty="0">
               <a:latin typeface="Times New Roman" panose="02020603050405020304" pitchFamily="18" charset="0"/>
               <a:cs typeface="Times New Roman" panose="02020603050405020304" pitchFamily="18" charset="0"/>
             </a:endParaRPr>
@@ -3221,8 +3237,8 @@
         </p:nvCxnSpPr>
         <p:spPr>
           <a:xfrm flipV="1">
-            <a:off x="2040375" y="4062744"/>
-            <a:ext cx="2655193" cy="278086"/>
+            <a:off x="1938723" y="4062745"/>
+            <a:ext cx="2756845" cy="807716"/>
           </a:xfrm>
           <a:prstGeom prst="straightConnector1">
             <a:avLst/>
@@ -3257,8 +3273,8 @@
         </p:nvSpPr>
         <p:spPr>
           <a:xfrm>
-            <a:off x="9662982" y="4195527"/>
-            <a:ext cx="1425148" cy="523220"/>
+            <a:off x="9712410" y="4162575"/>
+            <a:ext cx="1425148" cy="707886"/>
           </a:xfrm>
           <a:prstGeom prst="rect">
             <a:avLst/>
@@ -3273,13 +3289,13 @@
           <a:p>
             <a:pPr algn="ctr"/>
             <a:r>
-              <a:rPr lang="en-GB" sz="1400" dirty="0" smtClean="0">
+              <a:rPr lang="en-GB" sz="2000" dirty="0" smtClean="0">
                 <a:latin typeface="Times New Roman" panose="02020603050405020304" pitchFamily="18" charset="0"/>
                 <a:cs typeface="Times New Roman" panose="02020603050405020304" pitchFamily="18" charset="0"/>
               </a:rPr>
               <a:t>Supply Unit For ESR</a:t>
             </a:r>
-            <a:endParaRPr lang="en-GB" sz="1400" dirty="0">
+            <a:endParaRPr lang="en-GB" sz="2000" dirty="0">
               <a:latin typeface="Times New Roman" panose="02020603050405020304" pitchFamily="18" charset="0"/>
               <a:cs typeface="Times New Roman" panose="02020603050405020304" pitchFamily="18" charset="0"/>
             </a:endParaRPr>
@@ -3330,8 +3346,8 @@
         </p:nvSpPr>
         <p:spPr>
           <a:xfrm>
-            <a:off x="838657" y="2027979"/>
-            <a:ext cx="1309816" cy="523220"/>
+            <a:off x="838657" y="2678771"/>
+            <a:ext cx="1309816" cy="1015663"/>
           </a:xfrm>
           <a:prstGeom prst="rect">
             <a:avLst/>
@@ -3346,13 +3362,13 @@
           <a:p>
             <a:pPr algn="ctr"/>
             <a:r>
-              <a:rPr lang="en-GB" sz="1400" dirty="0" smtClean="0">
+              <a:rPr lang="en-GB" sz="2000" dirty="0" smtClean="0">
                 <a:latin typeface="Times New Roman" panose="02020603050405020304" pitchFamily="18" charset="0"/>
                 <a:cs typeface="Times New Roman" panose="02020603050405020304" pitchFamily="18" charset="0"/>
               </a:rPr>
               <a:t>DPPH Sample Inside Coil</a:t>
             </a:r>
-            <a:endParaRPr lang="en-GB" sz="1400" dirty="0">
+            <a:endParaRPr lang="en-GB" sz="2000" dirty="0">
               <a:latin typeface="Times New Roman" panose="02020603050405020304" pitchFamily="18" charset="0"/>
               <a:cs typeface="Times New Roman" panose="02020603050405020304" pitchFamily="18" charset="0"/>
             </a:endParaRPr>
@@ -3663,7 +3679,7 @@
   <a:extraClrSchemeLst/>
   <a:extLst>
     <a:ext uri="{05A4C25C-085E-4340-85A3-A5531E510DB2}">
-      <thm15:themeFamily xmlns:thm15="http://schemas.microsoft.com/office/thememl/2012/main" xmlns="" name="Office Theme" id="{62F939B6-93AF-4DB8-9C6B-D6C7DFDC589F}" vid="{4A3C46E8-61CC-4603-A589-7422A47A8E4A}"/>
+      <thm15:themeFamily xmlns:thm15="http://schemas.microsoft.com/office/thememl/2012/main" name="Office Theme" id="{62F939B6-93AF-4DB8-9C6B-D6C7DFDC589F}" vid="{4A3C46E8-61CC-4603-A589-7422A47A8E4A}"/>
     </a:ext>
   </a:extLst>
 </a:theme>
